--- a/TA7/Tool Assessment 2/demo-organization-fig.pptx
+++ b/TA7/Tool Assessment 2/demo-organization-fig.pptx
@@ -290,7 +290,7 @@
             <a:fld id="{1D8BD707-D9CF-40AE-B4C6-C98DA3205C09}" type="datetimeFigureOut">
               <a:rPr lang="en-US" smtClean="0"/>
               <a:pPr/>
-              <a:t>12/7/2018</a:t>
+              <a:t>12/11/2018</a:t>
             </a:fld>
             <a:endParaRPr lang="en-US"/>
           </a:p>
@@ -457,7 +457,7 @@
             <a:fld id="{1D8BD707-D9CF-40AE-B4C6-C98DA3205C09}" type="datetimeFigureOut">
               <a:rPr lang="en-US" smtClean="0"/>
               <a:pPr/>
-              <a:t>12/7/2018</a:t>
+              <a:t>12/11/2018</a:t>
             </a:fld>
             <a:endParaRPr lang="en-US"/>
           </a:p>
@@ -634,7 +634,7 @@
             <a:fld id="{1D8BD707-D9CF-40AE-B4C6-C98DA3205C09}" type="datetimeFigureOut">
               <a:rPr lang="en-US" smtClean="0"/>
               <a:pPr/>
-              <a:t>12/7/2018</a:t>
+              <a:t>12/11/2018</a:t>
             </a:fld>
             <a:endParaRPr lang="en-US"/>
           </a:p>
@@ -801,7 +801,7 @@
             <a:fld id="{1D8BD707-D9CF-40AE-B4C6-C98DA3205C09}" type="datetimeFigureOut">
               <a:rPr lang="en-US" smtClean="0"/>
               <a:pPr/>
-              <a:t>12/7/2018</a:t>
+              <a:t>12/11/2018</a:t>
             </a:fld>
             <a:endParaRPr lang="en-US"/>
           </a:p>
@@ -1044,7 +1044,7 @@
             <a:fld id="{1D8BD707-D9CF-40AE-B4C6-C98DA3205C09}" type="datetimeFigureOut">
               <a:rPr lang="en-US" smtClean="0"/>
               <a:pPr/>
-              <a:t>12/7/2018</a:t>
+              <a:t>12/11/2018</a:t>
             </a:fld>
             <a:endParaRPr lang="en-US"/>
           </a:p>
@@ -1329,7 +1329,7 @@
             <a:fld id="{1D8BD707-D9CF-40AE-B4C6-C98DA3205C09}" type="datetimeFigureOut">
               <a:rPr lang="en-US" smtClean="0"/>
               <a:pPr/>
-              <a:t>12/7/2018</a:t>
+              <a:t>12/11/2018</a:t>
             </a:fld>
             <a:endParaRPr lang="en-US"/>
           </a:p>
@@ -1748,7 +1748,7 @@
             <a:fld id="{1D8BD707-D9CF-40AE-B4C6-C98DA3205C09}" type="datetimeFigureOut">
               <a:rPr lang="en-US" smtClean="0"/>
               <a:pPr/>
-              <a:t>12/7/2018</a:t>
+              <a:t>12/11/2018</a:t>
             </a:fld>
             <a:endParaRPr lang="en-US"/>
           </a:p>
@@ -1863,7 +1863,7 @@
             <a:fld id="{1D8BD707-D9CF-40AE-B4C6-C98DA3205C09}" type="datetimeFigureOut">
               <a:rPr lang="en-US" smtClean="0"/>
               <a:pPr/>
-              <a:t>12/7/2018</a:t>
+              <a:t>12/11/2018</a:t>
             </a:fld>
             <a:endParaRPr lang="en-US"/>
           </a:p>
@@ -1955,7 +1955,7 @@
             <a:fld id="{1D8BD707-D9CF-40AE-B4C6-C98DA3205C09}" type="datetimeFigureOut">
               <a:rPr lang="en-US" smtClean="0"/>
               <a:pPr/>
-              <a:t>12/7/2018</a:t>
+              <a:t>12/11/2018</a:t>
             </a:fld>
             <a:endParaRPr lang="en-US"/>
           </a:p>
@@ -2229,7 +2229,7 @@
             <a:fld id="{1D8BD707-D9CF-40AE-B4C6-C98DA3205C09}" type="datetimeFigureOut">
               <a:rPr lang="en-US" smtClean="0"/>
               <a:pPr/>
-              <a:t>12/7/2018</a:t>
+              <a:t>12/11/2018</a:t>
             </a:fld>
             <a:endParaRPr lang="en-US"/>
           </a:p>
@@ -2479,7 +2479,7 @@
             <a:fld id="{1D8BD707-D9CF-40AE-B4C6-C98DA3205C09}" type="datetimeFigureOut">
               <a:rPr lang="en-US" smtClean="0"/>
               <a:pPr/>
-              <a:t>12/7/2018</a:t>
+              <a:t>12/11/2018</a:t>
             </a:fld>
             <a:endParaRPr lang="en-US"/>
           </a:p>
@@ -2689,7 +2689,7 @@
             <a:fld id="{1D8BD707-D9CF-40AE-B4C6-C98DA3205C09}" type="datetimeFigureOut">
               <a:rPr lang="en-US" smtClean="0"/>
               <a:pPr/>
-              <a:t>12/7/2018</a:t>
+              <a:t>12/11/2018</a:t>
             </a:fld>
             <a:endParaRPr lang="en-US"/>
           </a:p>
@@ -3062,6 +3062,136 @@
       </p:grpSpPr>
       <p:sp>
         <p:nvSpPr>
+          <p:cNvPr id="18" name="Rectangle 17"/>
+          <p:cNvSpPr/>
+          <p:nvPr/>
+        </p:nvSpPr>
+        <p:spPr>
+          <a:xfrm>
+            <a:off x="3882513" y="5235676"/>
+            <a:ext cx="1714500" cy="1393724"/>
+          </a:xfrm>
+          <a:prstGeom prst="rect">
+            <a:avLst/>
+          </a:prstGeom>
+          <a:solidFill>
+            <a:srgbClr val="66FFFF"/>
+          </a:solidFill>
+          <a:ln w="12700">
+            <a:solidFill>
+              <a:schemeClr val="tx1"/>
+            </a:solidFill>
+          </a:ln>
+        </p:spPr>
+        <p:style>
+          <a:lnRef idx="2">
+            <a:schemeClr val="accent1">
+              <a:shade val="50000"/>
+            </a:schemeClr>
+          </a:lnRef>
+          <a:fillRef idx="1">
+            <a:schemeClr val="accent1"/>
+          </a:fillRef>
+          <a:effectRef idx="0">
+            <a:schemeClr val="accent1"/>
+          </a:effectRef>
+          <a:fontRef idx="minor">
+            <a:schemeClr val="lt1"/>
+          </a:fontRef>
+        </p:style>
+        <p:txBody>
+          <a:bodyPr rot="0" spcFirstLastPara="0" vertOverflow="overflow" horzOverflow="overflow" vert="horz" wrap="square" lIns="91440" tIns="45720" rIns="91440" bIns="45720" numCol="1" spcCol="0" rtlCol="0" fromWordArt="0" anchor="b" anchorCtr="0" forceAA="0" compatLnSpc="1">
+            <a:prstTxWarp prst="textNoShape">
+              <a:avLst/>
+            </a:prstTxWarp>
+            <a:noAutofit/>
+          </a:bodyPr>
+          <a:lstStyle/>
+          <a:p>
+            <a:pPr algn="ctr"/>
+            <a:r>
+              <a:rPr lang="en-US" dirty="0" smtClean="0">
+                <a:solidFill>
+                  <a:schemeClr val="tx1"/>
+                </a:solidFill>
+              </a:rPr>
+              <a:t>QEMU</a:t>
+            </a:r>
+            <a:endParaRPr lang="en-US" dirty="0">
+              <a:solidFill>
+                <a:schemeClr val="tx1"/>
+              </a:solidFill>
+            </a:endParaRPr>
+          </a:p>
+        </p:txBody>
+      </p:sp>
+      <p:sp>
+        <p:nvSpPr>
+          <p:cNvPr id="15" name="Rectangle 14"/>
+          <p:cNvSpPr/>
+          <p:nvPr/>
+        </p:nvSpPr>
+        <p:spPr>
+          <a:xfrm>
+            <a:off x="1943100" y="5235676"/>
+            <a:ext cx="1714500" cy="1393724"/>
+          </a:xfrm>
+          <a:prstGeom prst="rect">
+            <a:avLst/>
+          </a:prstGeom>
+          <a:solidFill>
+            <a:srgbClr val="99FF99"/>
+          </a:solidFill>
+          <a:ln w="12700">
+            <a:solidFill>
+              <a:schemeClr val="tx1"/>
+            </a:solidFill>
+          </a:ln>
+        </p:spPr>
+        <p:style>
+          <a:lnRef idx="2">
+            <a:schemeClr val="accent1">
+              <a:shade val="50000"/>
+            </a:schemeClr>
+          </a:lnRef>
+          <a:fillRef idx="1">
+            <a:schemeClr val="accent1"/>
+          </a:fillRef>
+          <a:effectRef idx="0">
+            <a:schemeClr val="accent1"/>
+          </a:effectRef>
+          <a:fontRef idx="minor">
+            <a:schemeClr val="lt1"/>
+          </a:fontRef>
+        </p:style>
+        <p:txBody>
+          <a:bodyPr rot="0" spcFirstLastPara="0" vertOverflow="overflow" horzOverflow="overflow" vert="horz" wrap="square" lIns="91440" tIns="45720" rIns="91440" bIns="45720" numCol="1" spcCol="0" rtlCol="0" fromWordArt="0" anchor="b" anchorCtr="0" forceAA="0" compatLnSpc="1">
+            <a:prstTxWarp prst="textNoShape">
+              <a:avLst/>
+            </a:prstTxWarp>
+            <a:noAutofit/>
+          </a:bodyPr>
+          <a:lstStyle/>
+          <a:p>
+            <a:pPr algn="ctr"/>
+            <a:r>
+              <a:rPr lang="en-US" dirty="0" smtClean="0">
+                <a:solidFill>
+                  <a:schemeClr val="tx1"/>
+                </a:solidFill>
+              </a:rPr>
+              <a:t>QEMU</a:t>
+            </a:r>
+            <a:endParaRPr lang="en-US" dirty="0">
+              <a:solidFill>
+                <a:schemeClr val="tx1"/>
+              </a:solidFill>
+            </a:endParaRPr>
+          </a:p>
+        </p:txBody>
+      </p:sp>
+      <p:sp>
+        <p:nvSpPr>
           <p:cNvPr id="4" name="Rounded Rectangle 3"/>
           <p:cNvSpPr/>
           <p:nvPr/>
@@ -3135,7 +3265,9 @@
               <a:gd name="adj" fmla="val 9441"/>
             </a:avLst>
           </a:prstGeom>
-          <a:noFill/>
+          <a:solidFill>
+            <a:srgbClr val="99FF99"/>
+          </a:solidFill>
           <a:ln w="12700">
             <a:solidFill>
               <a:schemeClr val="tx1"/>
@@ -3195,7 +3327,9 @@
               <a:gd name="adj" fmla="val 9441"/>
             </a:avLst>
           </a:prstGeom>
-          <a:noFill/>
+          <a:solidFill>
+            <a:srgbClr val="FFFF99"/>
+          </a:solidFill>
           <a:ln w="12700">
             <a:solidFill>
               <a:schemeClr val="tx1"/>
@@ -3255,7 +3389,9 @@
               <a:gd name="adj" fmla="val 9441"/>
             </a:avLst>
           </a:prstGeom>
-          <a:noFill/>
+          <a:solidFill>
+            <a:srgbClr val="FFFF99"/>
+          </a:solidFill>
           <a:ln w="12700">
             <a:solidFill>
               <a:schemeClr val="tx1"/>
@@ -3313,7 +3449,9 @@
           <a:prstGeom prst="rect">
             <a:avLst/>
           </a:prstGeom>
-          <a:noFill/>
+          <a:solidFill>
+            <a:srgbClr val="99FF99"/>
+          </a:solidFill>
           <a:ln w="12700">
             <a:solidFill>
               <a:schemeClr val="tx1"/>
@@ -3376,7 +3514,9 @@
           <a:prstGeom prst="rect">
             <a:avLst/>
           </a:prstGeom>
-          <a:noFill/>
+          <a:solidFill>
+            <a:srgbClr val="FFFF99"/>
+          </a:solidFill>
           <a:ln w="12700">
             <a:solidFill>
               <a:schemeClr val="tx1"/>
@@ -3499,7 +3639,9 @@
           <a:prstGeom prst="rect">
             <a:avLst/>
           </a:prstGeom>
-          <a:noFill/>
+          <a:solidFill>
+            <a:srgbClr val="FFCC66"/>
+          </a:solidFill>
           <a:ln w="12700">
             <a:solidFill>
               <a:schemeClr val="tx1"/>
@@ -3562,7 +3704,9 @@
           <a:prstGeom prst="rect">
             <a:avLst/>
           </a:prstGeom>
-          <a:noFill/>
+          <a:solidFill>
+            <a:srgbClr val="99FF99"/>
+          </a:solidFill>
           <a:ln w="12700">
             <a:solidFill>
               <a:schemeClr val="tx1"/>
@@ -3625,7 +3769,9 @@
           <a:prstGeom prst="rect">
             <a:avLst/>
           </a:prstGeom>
-          <a:noFill/>
+          <a:solidFill>
+            <a:srgbClr val="99FF99"/>
+          </a:solidFill>
           <a:ln w="12700">
             <a:solidFill>
               <a:schemeClr val="tx1"/>
@@ -3676,82 +3822,21 @@
       </p:sp>
       <p:sp>
         <p:nvSpPr>
-          <p:cNvPr id="15" name="Rectangle 14"/>
+          <p:cNvPr id="16" name="Rectangle 15"/>
           <p:cNvSpPr/>
           <p:nvPr/>
         </p:nvSpPr>
         <p:spPr>
           <a:xfrm>
-            <a:off x="1943100" y="5235676"/>
-            <a:ext cx="1714500" cy="1393724"/>
+            <a:off x="3996814" y="5309419"/>
+            <a:ext cx="1524000" cy="481781"/>
           </a:xfrm>
           <a:prstGeom prst="rect">
             <a:avLst/>
           </a:prstGeom>
-          <a:noFill/>
-          <a:ln w="12700">
-            <a:solidFill>
-              <a:schemeClr val="tx1"/>
-            </a:solidFill>
-          </a:ln>
-        </p:spPr>
-        <p:style>
-          <a:lnRef idx="2">
-            <a:schemeClr val="accent1">
-              <a:shade val="50000"/>
-            </a:schemeClr>
-          </a:lnRef>
-          <a:fillRef idx="1">
-            <a:schemeClr val="accent1"/>
-          </a:fillRef>
-          <a:effectRef idx="0">
-            <a:schemeClr val="accent1"/>
-          </a:effectRef>
-          <a:fontRef idx="minor">
-            <a:schemeClr val="lt1"/>
-          </a:fontRef>
-        </p:style>
-        <p:txBody>
-          <a:bodyPr rot="0" spcFirstLastPara="0" vertOverflow="overflow" horzOverflow="overflow" vert="horz" wrap="square" lIns="91440" tIns="45720" rIns="91440" bIns="45720" numCol="1" spcCol="0" rtlCol="0" fromWordArt="0" anchor="b" anchorCtr="0" forceAA="0" compatLnSpc="1">
-            <a:prstTxWarp prst="textNoShape">
-              <a:avLst/>
-            </a:prstTxWarp>
-            <a:noAutofit/>
-          </a:bodyPr>
-          <a:lstStyle/>
-          <a:p>
-            <a:pPr algn="ctr"/>
-            <a:r>
-              <a:rPr lang="en-US" dirty="0" smtClean="0">
-                <a:solidFill>
-                  <a:schemeClr val="tx1"/>
-                </a:solidFill>
-              </a:rPr>
-              <a:t>QEMU</a:t>
-            </a:r>
-            <a:endParaRPr lang="en-US" dirty="0">
-              <a:solidFill>
-                <a:schemeClr val="tx1"/>
-              </a:solidFill>
-            </a:endParaRPr>
-          </a:p>
-        </p:txBody>
-      </p:sp>
-      <p:sp>
-        <p:nvSpPr>
-          <p:cNvPr id="16" name="Rectangle 15"/>
-          <p:cNvSpPr/>
-          <p:nvPr/>
-        </p:nvSpPr>
-        <p:spPr>
-          <a:xfrm>
-            <a:off x="3996814" y="5309419"/>
-            <a:ext cx="1524000" cy="481781"/>
-          </a:xfrm>
-          <a:prstGeom prst="rect">
-            <a:avLst/>
-          </a:prstGeom>
-          <a:noFill/>
+          <a:solidFill>
+            <a:srgbClr val="66FFFF"/>
+          </a:solidFill>
           <a:ln w="12700">
             <a:solidFill>
               <a:schemeClr val="tx1"/>
@@ -3802,82 +3887,21 @@
       </p:sp>
       <p:sp>
         <p:nvSpPr>
-          <p:cNvPr id="18" name="Rectangle 17"/>
+          <p:cNvPr id="19" name="Rectangle 18"/>
           <p:cNvSpPr/>
           <p:nvPr/>
         </p:nvSpPr>
         <p:spPr>
           <a:xfrm>
-            <a:off x="3882513" y="5235676"/>
-            <a:ext cx="1714500" cy="1393724"/>
+            <a:off x="2038349" y="3276600"/>
+            <a:ext cx="1619251" cy="609600"/>
           </a:xfrm>
           <a:prstGeom prst="rect">
             <a:avLst/>
           </a:prstGeom>
-          <a:noFill/>
-          <a:ln w="12700">
-            <a:solidFill>
-              <a:schemeClr val="tx1"/>
-            </a:solidFill>
-          </a:ln>
-        </p:spPr>
-        <p:style>
-          <a:lnRef idx="2">
-            <a:schemeClr val="accent1">
-              <a:shade val="50000"/>
-            </a:schemeClr>
-          </a:lnRef>
-          <a:fillRef idx="1">
-            <a:schemeClr val="accent1"/>
-          </a:fillRef>
-          <a:effectRef idx="0">
-            <a:schemeClr val="accent1"/>
-          </a:effectRef>
-          <a:fontRef idx="minor">
-            <a:schemeClr val="lt1"/>
-          </a:fontRef>
-        </p:style>
-        <p:txBody>
-          <a:bodyPr rot="0" spcFirstLastPara="0" vertOverflow="overflow" horzOverflow="overflow" vert="horz" wrap="square" lIns="91440" tIns="45720" rIns="91440" bIns="45720" numCol="1" spcCol="0" rtlCol="0" fromWordArt="0" anchor="b" anchorCtr="0" forceAA="0" compatLnSpc="1">
-            <a:prstTxWarp prst="textNoShape">
-              <a:avLst/>
-            </a:prstTxWarp>
-            <a:noAutofit/>
-          </a:bodyPr>
-          <a:lstStyle/>
-          <a:p>
-            <a:pPr algn="ctr"/>
-            <a:r>
-              <a:rPr lang="en-US" dirty="0" smtClean="0">
-                <a:solidFill>
-                  <a:schemeClr val="tx1"/>
-                </a:solidFill>
-              </a:rPr>
-              <a:t>QEMU</a:t>
-            </a:r>
-            <a:endParaRPr lang="en-US" dirty="0">
-              <a:solidFill>
-                <a:schemeClr val="tx1"/>
-              </a:solidFill>
-            </a:endParaRPr>
-          </a:p>
-        </p:txBody>
-      </p:sp>
-      <p:sp>
-        <p:nvSpPr>
-          <p:cNvPr id="19" name="Rectangle 18"/>
-          <p:cNvSpPr/>
-          <p:nvPr/>
-        </p:nvSpPr>
-        <p:spPr>
-          <a:xfrm>
-            <a:off x="2038349" y="3276600"/>
-            <a:ext cx="1619251" cy="609600"/>
-          </a:xfrm>
-          <a:prstGeom prst="rect">
-            <a:avLst/>
-          </a:prstGeom>
-          <a:noFill/>
+          <a:solidFill>
+            <a:srgbClr val="99FF99"/>
+          </a:solidFill>
           <a:ln w="12700">
             <a:solidFill>
               <a:schemeClr val="tx1"/>
@@ -3948,7 +3972,9 @@
           <a:prstGeom prst="rect">
             <a:avLst/>
           </a:prstGeom>
-          <a:noFill/>
+          <a:solidFill>
+            <a:srgbClr val="66FFFF"/>
+          </a:solidFill>
           <a:ln w="12700">
             <a:solidFill>
               <a:schemeClr val="tx1"/>
@@ -4021,7 +4047,9 @@
               <a:gd name="adj" fmla="val 9441"/>
             </a:avLst>
           </a:prstGeom>
-          <a:noFill/>
+          <a:solidFill>
+            <a:srgbClr val="66FFFF"/>
+          </a:solidFill>
           <a:ln w="12700">
             <a:solidFill>
               <a:schemeClr val="tx1"/>
@@ -4281,7 +4309,9 @@
           <a:prstGeom prst="rect">
             <a:avLst/>
           </a:prstGeom>
-          <a:noFill/>
+          <a:solidFill>
+            <a:srgbClr val="99FF99"/>
+          </a:solidFill>
           <a:ln w="12700">
             <a:solidFill>
               <a:schemeClr val="tx1"/>
@@ -4666,7 +4696,9 @@
               <a:gd name="adj" fmla="val 9441"/>
             </a:avLst>
           </a:prstGeom>
-          <a:noFill/>
+          <a:solidFill>
+            <a:srgbClr val="FFFF99"/>
+          </a:solidFill>
           <a:ln w="12700">
             <a:solidFill>
               <a:schemeClr val="tx1"/>
@@ -4726,7 +4758,9 @@
               <a:gd name="adj" fmla="val 9441"/>
             </a:avLst>
           </a:prstGeom>
-          <a:noFill/>
+          <a:solidFill>
+            <a:srgbClr val="FFFF99"/>
+          </a:solidFill>
           <a:ln w="12700">
             <a:solidFill>
               <a:schemeClr val="tx1"/>
@@ -4939,7 +4973,9 @@
               <a:gd name="adj" fmla="val 9441"/>
             </a:avLst>
           </a:prstGeom>
-          <a:noFill/>
+          <a:solidFill>
+            <a:srgbClr val="66FFFF"/>
+          </a:solidFill>
           <a:ln w="12700">
             <a:solidFill>
               <a:schemeClr val="tx1"/>
@@ -5085,7 +5121,9 @@
               <a:gd name="adj" fmla="val 9441"/>
             </a:avLst>
           </a:prstGeom>
-          <a:noFill/>
+          <a:solidFill>
+            <a:srgbClr val="99FF99"/>
+          </a:solidFill>
           <a:ln w="12700">
             <a:solidFill>
               <a:schemeClr val="tx1"/>
@@ -5221,7 +5259,9 @@
           <a:prstGeom prst="rect">
             <a:avLst/>
           </a:prstGeom>
-          <a:noFill/>
+          <a:solidFill>
+            <a:srgbClr val="99FF99"/>
+          </a:solidFill>
           <a:ln w="12700">
             <a:solidFill>
               <a:schemeClr val="tx1"/>
@@ -5284,7 +5324,9 @@
           <a:prstGeom prst="rect">
             <a:avLst/>
           </a:prstGeom>
-          <a:noFill/>
+          <a:solidFill>
+            <a:srgbClr val="66FFFF"/>
+          </a:solidFill>
           <a:ln w="12700">
             <a:solidFill>
               <a:schemeClr val="tx1"/>
@@ -5347,7 +5389,9 @@
           <a:prstGeom prst="rect">
             <a:avLst/>
           </a:prstGeom>
-          <a:noFill/>
+          <a:solidFill>
+            <a:srgbClr val="66FFFF"/>
+          </a:solidFill>
           <a:ln w="12700">
             <a:solidFill>
               <a:schemeClr val="tx1"/>
